--- a/Flow Chart.pptx
+++ b/Flow Chart.pptx
@@ -6,6 +6,7 @@
   </p:sldMasterIdLst>
   <p:sldIdLst>
     <p:sldId id="256" r:id="rId2"/>
+    <p:sldId id="257" r:id="rId3"/>
   </p:sldIdLst>
   <p:sldSz cx="12192000" cy="6858000"/>
   <p:notesSz cx="6858000" cy="9144000"/>
@@ -104,6 +105,11 @@
       </a:defRPr>
     </a:lvl9pPr>
   </p:defaultTextStyle>
+  <p:extLst>
+    <p:ext uri="{EFAFB233-063F-42B5-8137-9DF3F51BA10A}">
+      <p15:sldGuideLst xmlns:p15="http://schemas.microsoft.com/office/powerpoint/2012/main"/>
+    </p:ext>
+  </p:extLst>
 </p:presentation>
 </file>
 
@@ -256,7 +262,7 @@
           <a:p>
             <a:fld id="{3FB6CCAC-F0CE-4ADC-A941-DEA1E922EE71}" type="datetimeFigureOut">
               <a:rPr lang="en-CA" smtClean="0"/>
-              <a:t>07/03/2019</a:t>
+              <a:t>29/03/2019</a:t>
             </a:fld>
             <a:endParaRPr lang="en-CA"/>
           </a:p>
@@ -456,7 +462,7 @@
           <a:p>
             <a:fld id="{3FB6CCAC-F0CE-4ADC-A941-DEA1E922EE71}" type="datetimeFigureOut">
               <a:rPr lang="en-CA" smtClean="0"/>
-              <a:t>07/03/2019</a:t>
+              <a:t>29/03/2019</a:t>
             </a:fld>
             <a:endParaRPr lang="en-CA"/>
           </a:p>
@@ -666,7 +672,7 @@
           <a:p>
             <a:fld id="{3FB6CCAC-F0CE-4ADC-A941-DEA1E922EE71}" type="datetimeFigureOut">
               <a:rPr lang="en-CA" smtClean="0"/>
-              <a:t>07/03/2019</a:t>
+              <a:t>29/03/2019</a:t>
             </a:fld>
             <a:endParaRPr lang="en-CA"/>
           </a:p>
@@ -866,7 +872,7 @@
           <a:p>
             <a:fld id="{3FB6CCAC-F0CE-4ADC-A941-DEA1E922EE71}" type="datetimeFigureOut">
               <a:rPr lang="en-CA" smtClean="0"/>
-              <a:t>07/03/2019</a:t>
+              <a:t>29/03/2019</a:t>
             </a:fld>
             <a:endParaRPr lang="en-CA"/>
           </a:p>
@@ -1142,7 +1148,7 @@
           <a:p>
             <a:fld id="{3FB6CCAC-F0CE-4ADC-A941-DEA1E922EE71}" type="datetimeFigureOut">
               <a:rPr lang="en-CA" smtClean="0"/>
-              <a:t>07/03/2019</a:t>
+              <a:t>29/03/2019</a:t>
             </a:fld>
             <a:endParaRPr lang="en-CA"/>
           </a:p>
@@ -1410,7 +1416,7 @@
           <a:p>
             <a:fld id="{3FB6CCAC-F0CE-4ADC-A941-DEA1E922EE71}" type="datetimeFigureOut">
               <a:rPr lang="en-CA" smtClean="0"/>
-              <a:t>07/03/2019</a:t>
+              <a:t>29/03/2019</a:t>
             </a:fld>
             <a:endParaRPr lang="en-CA"/>
           </a:p>
@@ -1825,7 +1831,7 @@
           <a:p>
             <a:fld id="{3FB6CCAC-F0CE-4ADC-A941-DEA1E922EE71}" type="datetimeFigureOut">
               <a:rPr lang="en-CA" smtClean="0"/>
-              <a:t>07/03/2019</a:t>
+              <a:t>29/03/2019</a:t>
             </a:fld>
             <a:endParaRPr lang="en-CA"/>
           </a:p>
@@ -1967,7 +1973,7 @@
           <a:p>
             <a:fld id="{3FB6CCAC-F0CE-4ADC-A941-DEA1E922EE71}" type="datetimeFigureOut">
               <a:rPr lang="en-CA" smtClean="0"/>
-              <a:t>07/03/2019</a:t>
+              <a:t>29/03/2019</a:t>
             </a:fld>
             <a:endParaRPr lang="en-CA"/>
           </a:p>
@@ -2080,7 +2086,7 @@
           <a:p>
             <a:fld id="{3FB6CCAC-F0CE-4ADC-A941-DEA1E922EE71}" type="datetimeFigureOut">
               <a:rPr lang="en-CA" smtClean="0"/>
-              <a:t>07/03/2019</a:t>
+              <a:t>29/03/2019</a:t>
             </a:fld>
             <a:endParaRPr lang="en-CA"/>
           </a:p>
@@ -2393,7 +2399,7 @@
           <a:p>
             <a:fld id="{3FB6CCAC-F0CE-4ADC-A941-DEA1E922EE71}" type="datetimeFigureOut">
               <a:rPr lang="en-CA" smtClean="0"/>
-              <a:t>07/03/2019</a:t>
+              <a:t>29/03/2019</a:t>
             </a:fld>
             <a:endParaRPr lang="en-CA"/>
           </a:p>
@@ -2682,7 +2688,7 @@
           <a:p>
             <a:fld id="{3FB6CCAC-F0CE-4ADC-A941-DEA1E922EE71}" type="datetimeFigureOut">
               <a:rPr lang="en-CA" smtClean="0"/>
-              <a:t>07/03/2019</a:t>
+              <a:t>29/03/2019</a:t>
             </a:fld>
             <a:endParaRPr lang="en-CA"/>
           </a:p>
@@ -2925,7 +2931,7 @@
           <a:p>
             <a:fld id="{3FB6CCAC-F0CE-4ADC-A941-DEA1E922EE71}" type="datetimeFigureOut">
               <a:rPr lang="en-CA" smtClean="0"/>
-              <a:t>07/03/2019</a:t>
+              <a:t>29/03/2019</a:t>
             </a:fld>
             <a:endParaRPr lang="en-CA"/>
           </a:p>
@@ -4749,6 +4755,578 @@
 </p:sld>
 </file>
 
+<file path=ppt/slides/slide2.xml><?xml version="1.0" encoding="utf-8"?>
+<p:sld xmlns:a="http://schemas.openxmlformats.org/drawingml/2006/main" xmlns:r="http://schemas.openxmlformats.org/officeDocument/2006/relationships" xmlns:p="http://schemas.openxmlformats.org/presentationml/2006/main">
+  <p:cSld>
+    <p:spTree>
+      <p:nvGrpSpPr>
+        <p:cNvPr id="1" name=""/>
+        <p:cNvGrpSpPr/>
+        <p:nvPr/>
+      </p:nvGrpSpPr>
+      <p:grpSpPr>
+        <a:xfrm>
+          <a:off x="0" y="0"/>
+          <a:ext cx="0" cy="0"/>
+          <a:chOff x="0" y="0"/>
+          <a:chExt cx="0" cy="0"/>
+        </a:xfrm>
+      </p:grpSpPr>
+      <p:sp>
+        <p:nvSpPr>
+          <p:cNvPr id="2" name="TextBox 1">
+            <a:extLst>
+              <a:ext uri="{FF2B5EF4-FFF2-40B4-BE49-F238E27FC236}">
+                <a16:creationId xmlns:a16="http://schemas.microsoft.com/office/drawing/2014/main" id="{5FEA5D8A-8375-402A-83D4-6885AFD2C488}"/>
+              </a:ext>
+            </a:extLst>
+          </p:cNvPr>
+          <p:cNvSpPr txBox="1"/>
+          <p:nvPr/>
+        </p:nvSpPr>
+        <p:spPr>
+          <a:xfrm>
+            <a:off x="923278" y="390617"/>
+            <a:ext cx="1488677" cy="461665"/>
+          </a:xfrm>
+          <a:prstGeom prst="rect">
+            <a:avLst/>
+          </a:prstGeom>
+          <a:noFill/>
+        </p:spPr>
+        <p:txBody>
+          <a:bodyPr wrap="none" rtlCol="0">
+            <a:spAutoFit/>
+          </a:bodyPr>
+          <a:lstStyle/>
+          <a:p>
+            <a:r>
+              <a:rPr lang="en-CA" sz="2400" dirty="0"/>
+              <a:t>Next steps</a:t>
+            </a:r>
+          </a:p>
+        </p:txBody>
+      </p:sp>
+      <p:sp>
+        <p:nvSpPr>
+          <p:cNvPr id="3" name="TextBox 2">
+            <a:extLst>
+              <a:ext uri="{FF2B5EF4-FFF2-40B4-BE49-F238E27FC236}">
+                <a16:creationId xmlns:a16="http://schemas.microsoft.com/office/drawing/2014/main" id="{D954C8D3-6F27-47B8-B5B6-D445B6C22E69}"/>
+              </a:ext>
+            </a:extLst>
+          </p:cNvPr>
+          <p:cNvSpPr txBox="1"/>
+          <p:nvPr/>
+        </p:nvSpPr>
+        <p:spPr>
+          <a:xfrm>
+            <a:off x="1047565" y="1118586"/>
+            <a:ext cx="10200443" cy="2585323"/>
+          </a:xfrm>
+          <a:prstGeom prst="rect">
+            <a:avLst/>
+          </a:prstGeom>
+          <a:noFill/>
+        </p:spPr>
+        <p:txBody>
+          <a:bodyPr wrap="square" rtlCol="0">
+            <a:spAutoFit/>
+          </a:bodyPr>
+          <a:lstStyle/>
+          <a:p>
+            <a:pPr marL="285750" indent="-285750">
+              <a:buFontTx/>
+              <a:buChar char="-"/>
+            </a:pPr>
+            <a:r>
+              <a:rPr lang="en-CA" dirty="0" err="1"/>
+              <a:t>Dividir</a:t>
+            </a:r>
+            <a:r>
+              <a:rPr lang="en-CA" dirty="0"/>
+              <a:t> </a:t>
+            </a:r>
+            <a:r>
+              <a:rPr lang="en-CA" dirty="0" err="1"/>
+              <a:t>os</a:t>
+            </a:r>
+            <a:r>
+              <a:rPr lang="en-CA" dirty="0"/>
+              <a:t> </a:t>
+            </a:r>
+            <a:r>
+              <a:rPr lang="en-CA" dirty="0" err="1"/>
+              <a:t>controladores</a:t>
+            </a:r>
+            <a:r>
+              <a:rPr lang="en-CA" dirty="0"/>
+              <a:t> e views</a:t>
+            </a:r>
+          </a:p>
+          <a:p>
+            <a:pPr marL="285750" indent="-285750">
+              <a:buFontTx/>
+              <a:buChar char="-"/>
+            </a:pPr>
+            <a:r>
+              <a:rPr lang="en-CA" dirty="0" err="1"/>
+              <a:t>Colocar</a:t>
+            </a:r>
+            <a:r>
+              <a:rPr lang="en-CA" dirty="0"/>
+              <a:t> o Edit e Delete </a:t>
+            </a:r>
+            <a:r>
+              <a:rPr lang="en-CA" dirty="0" err="1"/>
+              <a:t>em</a:t>
+            </a:r>
+            <a:r>
+              <a:rPr lang="en-CA" dirty="0"/>
+              <a:t> </a:t>
+            </a:r>
+            <a:r>
+              <a:rPr lang="en-CA" dirty="0" err="1"/>
+              <a:t>differentes</a:t>
+            </a:r>
+            <a:r>
+              <a:rPr lang="en-CA" dirty="0"/>
+              <a:t> views e </a:t>
+            </a:r>
+            <a:r>
+              <a:rPr lang="en-CA" dirty="0" err="1"/>
+              <a:t>controladores</a:t>
+            </a:r>
+            <a:r>
+              <a:rPr lang="en-CA" dirty="0"/>
+              <a:t> = </a:t>
+            </a:r>
+            <a:r>
+              <a:rPr lang="en-CA" dirty="0" err="1"/>
+              <a:t>verificar</a:t>
+            </a:r>
+            <a:r>
+              <a:rPr lang="en-CA" dirty="0"/>
+              <a:t> se </a:t>
+            </a:r>
+            <a:r>
+              <a:rPr lang="en-CA" dirty="0" err="1"/>
+              <a:t>isso</a:t>
+            </a:r>
+            <a:r>
+              <a:rPr lang="en-CA" dirty="0"/>
+              <a:t> resolve o </a:t>
+            </a:r>
+            <a:r>
+              <a:rPr lang="en-CA" dirty="0" err="1"/>
+              <a:t>problema</a:t>
+            </a:r>
+            <a:r>
+              <a:rPr lang="en-CA" dirty="0"/>
+              <a:t> de </a:t>
+            </a:r>
+            <a:r>
+              <a:rPr lang="en-CA" dirty="0" err="1"/>
+              <a:t>diferentes</a:t>
+            </a:r>
+            <a:r>
+              <a:rPr lang="en-CA" dirty="0"/>
+              <a:t> Edits e Deletes para </a:t>
+            </a:r>
+            <a:r>
+              <a:rPr lang="en-CA" dirty="0" err="1"/>
+              <a:t>diferentes</a:t>
+            </a:r>
+            <a:r>
+              <a:rPr lang="en-CA" dirty="0"/>
+              <a:t> models</a:t>
+            </a:r>
+          </a:p>
+          <a:p>
+            <a:pPr marL="285750" indent="-285750">
+              <a:buFontTx/>
+              <a:buChar char="-"/>
+            </a:pPr>
+            <a:r>
+              <a:rPr lang="en-CA" dirty="0" err="1"/>
+              <a:t>Inserir</a:t>
+            </a:r>
+            <a:r>
+              <a:rPr lang="en-CA" dirty="0"/>
+              <a:t> a database dentro do Azure</a:t>
+            </a:r>
+          </a:p>
+          <a:p>
+            <a:pPr marL="285750" indent="-285750">
+              <a:buFontTx/>
+              <a:buChar char="-"/>
+            </a:pPr>
+            <a:r>
+              <a:rPr lang="en-CA" dirty="0" err="1"/>
+              <a:t>Apagar</a:t>
+            </a:r>
+            <a:r>
+              <a:rPr lang="en-CA" dirty="0"/>
+              <a:t> </a:t>
+            </a:r>
+            <a:r>
+              <a:rPr lang="en-CA" dirty="0" err="1"/>
+              <a:t>metodo</a:t>
+            </a:r>
+            <a:r>
+              <a:rPr lang="en-CA" dirty="0"/>
+              <a:t> “Create” e </a:t>
+            </a:r>
+            <a:r>
+              <a:rPr lang="en-CA" dirty="0" err="1"/>
+              <a:t>dizer</a:t>
+            </a:r>
+            <a:r>
+              <a:rPr lang="en-CA" dirty="0"/>
+              <a:t> </a:t>
+            </a:r>
+            <a:r>
+              <a:rPr lang="en-CA" dirty="0" err="1"/>
+              <a:t>isso</a:t>
+            </a:r>
+            <a:r>
+              <a:rPr lang="en-CA" dirty="0"/>
+              <a:t> </a:t>
+            </a:r>
+            <a:r>
+              <a:rPr lang="en-CA" dirty="0" err="1"/>
+              <a:t>em</a:t>
+            </a:r>
+            <a:r>
+              <a:rPr lang="en-CA" dirty="0"/>
+              <a:t> um dos commits </a:t>
+            </a:r>
+            <a:r>
+              <a:rPr lang="en-CA" dirty="0" err="1"/>
+              <a:t>reforcando</a:t>
+            </a:r>
+            <a:r>
+              <a:rPr lang="en-CA" dirty="0"/>
+              <a:t> que o </a:t>
+            </a:r>
+            <a:r>
+              <a:rPr lang="en-CA" dirty="0" err="1"/>
+              <a:t>metodo</a:t>
+            </a:r>
+            <a:r>
+              <a:rPr lang="en-CA" dirty="0"/>
+              <a:t> Create eh a propria </a:t>
+            </a:r>
+            <a:r>
+              <a:rPr lang="en-CA" dirty="0" err="1"/>
+              <a:t>pagina</a:t>
+            </a:r>
+            <a:r>
+              <a:rPr lang="en-CA" dirty="0"/>
+              <a:t> </a:t>
+            </a:r>
+            <a:r>
+              <a:rPr lang="en-CA" dirty="0" err="1"/>
+              <a:t>inicial</a:t>
+            </a:r>
+            <a:r>
+              <a:rPr lang="en-CA" dirty="0"/>
+              <a:t> da </a:t>
+            </a:r>
+            <a:r>
+              <a:rPr lang="en-CA" dirty="0" err="1"/>
+              <a:t>aplicacao</a:t>
+            </a:r>
+            <a:endParaRPr lang="en-CA" dirty="0"/>
+          </a:p>
+          <a:p>
+            <a:pPr marL="285750" indent="-285750">
+              <a:buFontTx/>
+              <a:buChar char="-"/>
+            </a:pPr>
+            <a:r>
+              <a:rPr lang="en-CA" dirty="0" err="1"/>
+              <a:t>Verificar</a:t>
+            </a:r>
+            <a:r>
+              <a:rPr lang="en-CA" dirty="0"/>
+              <a:t> outros </a:t>
+            </a:r>
+            <a:r>
+              <a:rPr lang="en-CA" dirty="0" err="1"/>
+              <a:t>metodos</a:t>
+            </a:r>
+            <a:r>
+              <a:rPr lang="en-CA" dirty="0"/>
+              <a:t> que </a:t>
+            </a:r>
+            <a:r>
+              <a:rPr lang="en-CA" dirty="0" err="1"/>
+              <a:t>nao</a:t>
+            </a:r>
+            <a:r>
+              <a:rPr lang="en-CA" dirty="0"/>
+              <a:t> </a:t>
+            </a:r>
+            <a:r>
+              <a:rPr lang="en-CA" dirty="0" err="1"/>
+              <a:t>sao</a:t>
+            </a:r>
+            <a:r>
+              <a:rPr lang="en-CA" dirty="0"/>
+              <a:t> </a:t>
+            </a:r>
+            <a:r>
+              <a:rPr lang="en-CA" dirty="0" err="1"/>
+              <a:t>usados</a:t>
+            </a:r>
+            <a:r>
+              <a:rPr lang="en-CA" dirty="0"/>
+              <a:t> e </a:t>
+            </a:r>
+            <a:r>
+              <a:rPr lang="en-CA" dirty="0" err="1"/>
+              <a:t>apagar</a:t>
+            </a:r>
+            <a:endParaRPr lang="en-CA" dirty="0"/>
+          </a:p>
+          <a:p>
+            <a:pPr marL="285750" indent="-285750">
+              <a:buFontTx/>
+              <a:buChar char="-"/>
+            </a:pPr>
+            <a:r>
+              <a:rPr lang="en-CA" dirty="0" err="1"/>
+              <a:t>Perguntar</a:t>
+            </a:r>
+            <a:r>
+              <a:rPr lang="en-CA" dirty="0"/>
+              <a:t> </a:t>
+            </a:r>
+            <a:r>
+              <a:rPr lang="en-CA" dirty="0" err="1"/>
+              <a:t>como</a:t>
+            </a:r>
+            <a:r>
+              <a:rPr lang="en-CA" dirty="0"/>
+              <a:t> eh no </a:t>
+            </a:r>
+            <a:r>
+              <a:rPr lang="en-CA" dirty="0" err="1"/>
+              <a:t>caso</a:t>
+            </a:r>
+            <a:r>
+              <a:rPr lang="en-CA" dirty="0"/>
+              <a:t> de </a:t>
+            </a:r>
+            <a:r>
+              <a:rPr lang="en-CA" dirty="0" err="1"/>
+              <a:t>metodos</a:t>
+            </a:r>
+            <a:r>
+              <a:rPr lang="en-CA" dirty="0"/>
+              <a:t> que </a:t>
+            </a:r>
+            <a:r>
+              <a:rPr lang="en-CA" dirty="0" err="1"/>
+              <a:t>contem</a:t>
+            </a:r>
+            <a:r>
+              <a:rPr lang="en-CA" dirty="0"/>
+              <a:t> </a:t>
+            </a:r>
+            <a:r>
+              <a:rPr lang="en-CA" dirty="0" err="1"/>
+              <a:t>parametros</a:t>
+            </a:r>
+            <a:r>
+              <a:rPr lang="en-CA" dirty="0"/>
+              <a:t> </a:t>
+            </a:r>
+            <a:r>
+              <a:rPr lang="en-CA" dirty="0" err="1"/>
+              <a:t>quando</a:t>
+            </a:r>
+            <a:r>
+              <a:rPr lang="en-CA" dirty="0"/>
+              <a:t> </a:t>
+            </a:r>
+            <a:r>
+              <a:rPr lang="en-CA" dirty="0" err="1"/>
+              <a:t>colocamos</a:t>
+            </a:r>
+            <a:r>
+              <a:rPr lang="en-CA" dirty="0"/>
+              <a:t> </a:t>
+            </a:r>
+            <a:r>
+              <a:rPr lang="en-CA" dirty="0" err="1"/>
+              <a:t>tipo</a:t>
+            </a:r>
+            <a:r>
+              <a:rPr lang="en-CA" dirty="0"/>
+              <a:t> return View(“About”)</a:t>
+            </a:r>
+          </a:p>
+        </p:txBody>
+      </p:sp>
+      <p:sp>
+        <p:nvSpPr>
+          <p:cNvPr id="4" name="Rectangle 3">
+            <a:extLst>
+              <a:ext uri="{FF2B5EF4-FFF2-40B4-BE49-F238E27FC236}">
+                <a16:creationId xmlns:a16="http://schemas.microsoft.com/office/drawing/2014/main" id="{E4D6AD1B-B2BC-4C08-942F-E697BAEDBB8B}"/>
+              </a:ext>
+            </a:extLst>
+          </p:cNvPr>
+          <p:cNvSpPr/>
+          <p:nvPr/>
+        </p:nvSpPr>
+        <p:spPr>
+          <a:xfrm>
+            <a:off x="1047565" y="1118586"/>
+            <a:ext cx="9889724" cy="923278"/>
+          </a:xfrm>
+          <a:prstGeom prst="rect">
+            <a:avLst/>
+          </a:prstGeom>
+          <a:noFill/>
+          <a:ln>
+            <a:solidFill>
+              <a:srgbClr val="FF0000"/>
+            </a:solidFill>
+          </a:ln>
+        </p:spPr>
+        <p:style>
+          <a:lnRef idx="2">
+            <a:schemeClr val="accent1">
+              <a:shade val="50000"/>
+            </a:schemeClr>
+          </a:lnRef>
+          <a:fillRef idx="1">
+            <a:schemeClr val="accent1"/>
+          </a:fillRef>
+          <a:effectRef idx="0">
+            <a:schemeClr val="accent1"/>
+          </a:effectRef>
+          <a:fontRef idx="minor">
+            <a:schemeClr val="lt1"/>
+          </a:fontRef>
+        </p:style>
+        <p:txBody>
+          <a:bodyPr rtlCol="0" anchor="ctr"/>
+          <a:lstStyle/>
+          <a:p>
+            <a:pPr algn="ctr"/>
+            <a:endParaRPr lang="en-CA" dirty="0"/>
+          </a:p>
+        </p:txBody>
+      </p:sp>
+      <p:sp>
+        <p:nvSpPr>
+          <p:cNvPr id="5" name="Rectangle 4">
+            <a:extLst>
+              <a:ext uri="{FF2B5EF4-FFF2-40B4-BE49-F238E27FC236}">
+                <a16:creationId xmlns:a16="http://schemas.microsoft.com/office/drawing/2014/main" id="{81540055-14E6-403A-8797-BF7EA45342D2}"/>
+              </a:ext>
+            </a:extLst>
+          </p:cNvPr>
+          <p:cNvSpPr/>
+          <p:nvPr/>
+        </p:nvSpPr>
+        <p:spPr>
+          <a:xfrm>
+            <a:off x="7190913" y="390617"/>
+            <a:ext cx="1488677" cy="381740"/>
+          </a:xfrm>
+          <a:prstGeom prst="rect">
+            <a:avLst/>
+          </a:prstGeom>
+        </p:spPr>
+        <p:style>
+          <a:lnRef idx="2">
+            <a:schemeClr val="accent1">
+              <a:shade val="50000"/>
+            </a:schemeClr>
+          </a:lnRef>
+          <a:fillRef idx="1">
+            <a:schemeClr val="accent1"/>
+          </a:fillRef>
+          <a:effectRef idx="0">
+            <a:schemeClr val="accent1"/>
+          </a:effectRef>
+          <a:fontRef idx="minor">
+            <a:schemeClr val="lt1"/>
+          </a:fontRef>
+        </p:style>
+        <p:txBody>
+          <a:bodyPr rtlCol="0" anchor="ctr"/>
+          <a:lstStyle/>
+          <a:p>
+            <a:pPr algn="ctr"/>
+            <a:r>
+              <a:rPr lang="en-CA" dirty="0" err="1"/>
+              <a:t>Depois</a:t>
+            </a:r>
+            <a:endParaRPr lang="en-CA" dirty="0"/>
+          </a:p>
+        </p:txBody>
+      </p:sp>
+      <p:cxnSp>
+        <p:nvCxnSpPr>
+          <p:cNvPr id="7" name="Connector: Elbow 6">
+            <a:extLst>
+              <a:ext uri="{FF2B5EF4-FFF2-40B4-BE49-F238E27FC236}">
+                <a16:creationId xmlns:a16="http://schemas.microsoft.com/office/drawing/2014/main" id="{1ABFDA70-27E7-451A-9DF9-70840815B4E8}"/>
+              </a:ext>
+            </a:extLst>
+          </p:cNvPr>
+          <p:cNvCxnSpPr>
+            <a:stCxn id="4" idx="0"/>
+            <a:endCxn id="5" idx="1"/>
+          </p:cNvCxnSpPr>
+          <p:nvPr/>
+        </p:nvCxnSpPr>
+        <p:spPr>
+          <a:xfrm rot="5400000" flipH="1" flipV="1">
+            <a:off x="6323121" y="250794"/>
+            <a:ext cx="537099" cy="1198486"/>
+          </a:xfrm>
+          <a:prstGeom prst="bentConnector2">
+            <a:avLst/>
+          </a:prstGeom>
+          <a:ln>
+            <a:tailEnd type="triangle"/>
+          </a:ln>
+        </p:spPr>
+        <p:style>
+          <a:lnRef idx="1">
+            <a:schemeClr val="accent1"/>
+          </a:lnRef>
+          <a:fillRef idx="0">
+            <a:schemeClr val="accent1"/>
+          </a:fillRef>
+          <a:effectRef idx="0">
+            <a:schemeClr val="accent1"/>
+          </a:effectRef>
+          <a:fontRef idx="minor">
+            <a:schemeClr val="tx1"/>
+          </a:fontRef>
+        </p:style>
+      </p:cxnSp>
+    </p:spTree>
+    <p:extLst>
+      <p:ext uri="{BB962C8B-B14F-4D97-AF65-F5344CB8AC3E}">
+        <p14:creationId xmlns:p14="http://schemas.microsoft.com/office/powerpoint/2010/main" val="2122246283"/>
+      </p:ext>
+    </p:extLst>
+  </p:cSld>
+  <p:clrMapOvr>
+    <a:masterClrMapping/>
+  </p:clrMapOvr>
+</p:sld>
+</file>
+
 <file path=ppt/theme/theme1.xml><?xml version="1.0" encoding="utf-8"?>
 <a:theme xmlns:a="http://schemas.openxmlformats.org/drawingml/2006/main" name="Office Theme">
   <a:themeElements>
